--- a/Milestones/M10 Thesis defence/M10.pptx
+++ b/Milestones/M10 Thesis defence/M10.pptx
@@ -7033,7 +7033,7 @@
           <a:p>
             <a:fld id="{8F591CCF-F6FD-734B-854A-5BC033593B1E}" type="datetimeFigureOut">
               <a:rPr lang="nl-NL" smtClean="0"/>
-              <a:t>22-12-2022</a:t>
+              <a:t>6-1-2023</a:t>
             </a:fld>
             <a:endParaRPr lang="nl-NL"/>
           </a:p>
@@ -7198,7 +7198,7 @@
           <a:p>
             <a:fld id="{23C66214-DB21-4647-B5DA-0D17CA592867}" type="datetimeFigureOut">
               <a:rPr lang="nl-NL" smtClean="0"/>
-              <a:t>22-12-2022</a:t>
+              <a:t>6-1-2023</a:t>
             </a:fld>
             <a:endParaRPr lang="nl-NL"/>
           </a:p>
@@ -11584,7 +11584,15 @@
           <a:p>
             <a:r>
               <a:rPr lang="nl-BE" noProof="0" dirty="0"/>
-              <a:t>Het gebruikt dezelfde wijzigingen als bij een SMT problemen, zijnde negaties en conjuncties van </a:t>
+              <a:t>Het gebruikt dezelfde </a:t>
+            </a:r>
+            <a:r>
+              <a:rPr lang="nl-BE" b="1" noProof="0" dirty="0"/>
+              <a:t>satisfiable equivalente </a:t>
+            </a:r>
+            <a:r>
+              <a:rPr lang="nl-BE" noProof="0" dirty="0"/>
+              <a:t>wijzigingen als bij een SMT problemen, zijnde negaties en conjuncties van </a:t>
             </a:r>
             <a:r>
               <a:rPr lang="nl-BE" noProof="0" dirty="0" err="1"/>
@@ -12385,7 +12393,7 @@
           <a:p>
             <a:fld id="{A6AC6004-332E-443B-AEE9-F68B98D86626}" type="datetime1">
               <a:rPr lang="nl-BE" smtClean="0"/>
-              <a:t>22/12/2022</a:t>
+              <a:t>6/01/2023</a:t>
             </a:fld>
             <a:endParaRPr lang="nl-NL"/>
           </a:p>
@@ -12668,7 +12676,7 @@
           <a:p>
             <a:fld id="{18BB5DFC-17D3-47A0-B171-B4E4D1575E7B}" type="datetime1">
               <a:rPr lang="nl-BE" smtClean="0"/>
-              <a:t>22/12/2022</a:t>
+              <a:t>6/01/2023</a:t>
             </a:fld>
             <a:endParaRPr lang="nl-NL"/>
           </a:p>
@@ -12998,7 +13006,7 @@
           <a:p>
             <a:fld id="{DFE966B0-6D13-414C-BF72-6FF6C60AEC98}" type="datetime1">
               <a:rPr lang="nl-BE" smtClean="0"/>
-              <a:t>22/12/2022</a:t>
+              <a:t>6/01/2023</a:t>
             </a:fld>
             <a:endParaRPr lang="nl-NL"/>
           </a:p>
@@ -13318,7 +13326,7 @@
           <a:p>
             <a:fld id="{C812C44A-F540-4B98-810B-5F6EB90D9C13}" type="datetime1">
               <a:rPr lang="nl-BE" smtClean="0"/>
-              <a:t>22/12/2022</a:t>
+              <a:t>6/01/2023</a:t>
             </a:fld>
             <a:endParaRPr lang="nl-NL" dirty="0"/>
           </a:p>
@@ -13639,7 +13647,7 @@
           <a:p>
             <a:fld id="{8363B599-027A-42E4-AF08-DCDA683C2C05}" type="datetime1">
               <a:rPr lang="nl-BE" smtClean="0"/>
-              <a:t>22/12/2022</a:t>
+              <a:t>6/01/2023</a:t>
             </a:fld>
             <a:endParaRPr lang="nl-NL" dirty="0"/>
           </a:p>
@@ -13781,7 +13789,7 @@
           <a:p>
             <a:fld id="{896510B4-3146-4BB8-B92E-62730CD81C72}" type="datetime1">
               <a:rPr lang="nl-BE" smtClean="0"/>
-              <a:t>22/12/2022</a:t>
+              <a:t>6/01/2023</a:t>
             </a:fld>
             <a:endParaRPr lang="nl-NL"/>
           </a:p>
@@ -14265,7 +14273,7 @@
           <a:p>
             <a:fld id="{9D02B56F-A388-429F-978E-7B79C73B0741}" type="datetime1">
               <a:rPr lang="nl-BE" smtClean="0"/>
-              <a:t>22/12/2022</a:t>
+              <a:t>6/01/2023</a:t>
             </a:fld>
             <a:endParaRPr lang="nl-NL" dirty="0"/>
           </a:p>
@@ -14386,7 +14394,7 @@
           <a:p>
             <a:fld id="{CFC1976B-B1C6-4CE3-88E7-0F7B3C0EB754}" type="datetime1">
               <a:rPr lang="nl-BE" smtClean="0"/>
-              <a:t>22/12/2022</a:t>
+              <a:t>6/01/2023</a:t>
             </a:fld>
             <a:endParaRPr lang="nl-NL"/>
           </a:p>
@@ -14507,7 +14515,7 @@
           <a:p>
             <a:fld id="{9D9EDC0B-32E5-488B-8BC1-103B52D9F530}" type="datetime1">
               <a:rPr lang="nl-BE" smtClean="0"/>
-              <a:t>22/12/2022</a:t>
+              <a:t>6/01/2023</a:t>
             </a:fld>
             <a:endParaRPr lang="nl-NL"/>
           </a:p>
@@ -14689,7 +14697,7 @@
           <a:p>
             <a:fld id="{47FF4611-E6C1-4123-99C9-582B0DC5EFCF}" type="datetime1">
               <a:rPr lang="nl-BE" smtClean="0"/>
-              <a:t>22/12/2022</a:t>
+              <a:t>6/01/2023</a:t>
             </a:fld>
             <a:endParaRPr lang="nl-NL" dirty="0"/>
           </a:p>
@@ -14973,7 +14981,7 @@
           <a:p>
             <a:fld id="{7E5B4B50-A2A3-4C24-AE79-A292DD23C44A}" type="datetime1">
               <a:rPr lang="nl-BE" smtClean="0"/>
-              <a:t>22/12/2022</a:t>
+              <a:t>6/01/2023</a:t>
             </a:fld>
             <a:endParaRPr lang="nl-NL" dirty="0"/>
           </a:p>
@@ -15614,7 +15622,7 @@
           <a:p>
             <a:fld id="{560602C3-E89F-44D5-8AA8-1213C1FA739E}" type="datetime1">
               <a:rPr lang="nl-BE" smtClean="0"/>
-              <a:t>22/12/2022</a:t>
+              <a:t>6/01/2023</a:t>
             </a:fld>
             <a:endParaRPr lang="nl-NL" dirty="0"/>
           </a:p>
@@ -24232,8 +24240,8 @@
           <a:lstStyle/>
           <a:p>
             <a:r>
-              <a:rPr lang="nl-BE" dirty="0" err="1"/>
-              <a:t>Achievements</a:t>
+              <a:rPr lang="nl-NL" dirty="0"/>
+              <a:t>Verwezenlijkingen</a:t>
             </a:r>
             <a:endParaRPr lang="nl-BE" dirty="0"/>
           </a:p>
@@ -24492,7 +24500,7 @@
             </a:r>
             <a:r>
               <a:rPr lang="nl-BE" dirty="0"/>
-              <a:t> testen [2]</a:t>
+              <a:t> testen[2]</a:t>
             </a:r>
           </a:p>
           <a:p>
@@ -24788,6 +24796,10 @@
             <a:r>
               <a:rPr lang="en-GB" dirty="0" err="1"/>
               <a:t>Vragen</a:t>
+            </a:r>
+            <a:r>
+              <a:rPr lang="en-GB" dirty="0"/>
+              <a:t>?</a:t>
             </a:r>
             <a:endParaRPr lang="en-US" dirty="0"/>
           </a:p>
@@ -26947,11 +26959,6 @@
               <a:rPr lang="nl-BE" dirty="0"/>
               <a:t> tester: STORM</a:t>
             </a:r>
-            <a:r>
-              <a:rPr lang="nl-BE" sz="2000" dirty="0"/>
-              <a:t>[1]</a:t>
-            </a:r>
-            <a:endParaRPr lang="nl-BE" dirty="0"/>
           </a:p>
         </p:txBody>
       </p:sp>
@@ -26990,8 +26997,12 @@
           </a:p>
           <a:p>
             <a:r>
+              <a:rPr lang="nl-BE" b="0" noProof="0" dirty="0"/>
+              <a:t>Satisfiable equivalente </a:t>
+            </a:r>
+            <a:r>
               <a:rPr lang="nl-BE" dirty="0"/>
-              <a:t>Wijzig </a:t>
+              <a:t>wijzigingen </a:t>
             </a:r>
           </a:p>
           <a:p>
@@ -27442,6 +27453,61 @@
           </a:p>
         </p:txBody>
       </p:sp>
+      <p:sp>
+        <p:nvSpPr>
+          <p:cNvPr id="10" name="Title 4">
+            <a:extLst>
+              <a:ext uri="{FF2B5EF4-FFF2-40B4-BE49-F238E27FC236}">
+                <a16:creationId xmlns:a16="http://schemas.microsoft.com/office/drawing/2014/main" id="{AE635F27-2DAE-3A7B-7AAD-37872D3E2A64}"/>
+              </a:ext>
+            </a:extLst>
+          </p:cNvPr>
+          <p:cNvSpPr txBox="1">
+            <a:spLocks/>
+          </p:cNvSpPr>
+          <p:nvPr/>
+        </p:nvSpPr>
+        <p:spPr>
+          <a:xfrm>
+            <a:off x="6227497" y="0"/>
+            <a:ext cx="851920" cy="1152000"/>
+          </a:xfrm>
+          <a:prstGeom prst="rect">
+            <a:avLst/>
+          </a:prstGeom>
+        </p:spPr>
+        <p:txBody>
+          <a:bodyPr vert="horz" lIns="0" tIns="0" rIns="0" bIns="0" rtlCol="0" anchor="ctr" anchorCtr="0">
+            <a:normAutofit/>
+          </a:bodyPr>
+          <a:lstStyle>
+            <a:lvl1pPr algn="l" defTabSz="914400" rtl="0" eaLnBrk="1" latinLnBrk="0" hangingPunct="1">
+              <a:lnSpc>
+                <a:spcPct val="100000"/>
+              </a:lnSpc>
+              <a:spcBef>
+                <a:spcPct val="0"/>
+              </a:spcBef>
+              <a:buNone/>
+              <a:defRPr sz="4000" kern="1200" baseline="0">
+                <a:solidFill>
+                  <a:schemeClr val="tx2"/>
+                </a:solidFill>
+                <a:latin typeface="Arial" charset="0"/>
+                <a:ea typeface="+mj-ea"/>
+                <a:cs typeface="+mj-cs"/>
+              </a:defRPr>
+            </a:lvl1pPr>
+          </a:lstStyle>
+          <a:p>
+            <a:r>
+              <a:rPr lang="nl-BE" sz="2000" dirty="0"/>
+              <a:t>[1]</a:t>
+            </a:r>
+            <a:endParaRPr lang="nl-BE" dirty="0"/>
+          </a:p>
+        </p:txBody>
+      </p:sp>
     </p:spTree>
     <p:extLst>
       <p:ext uri="{BB962C8B-B14F-4D97-AF65-F5344CB8AC3E}">
@@ -27598,8 +27664,12 @@
           </a:p>
           <a:p>
             <a:r>
+              <a:rPr lang="nl-BE" b="0" noProof="0" dirty="0"/>
+              <a:t>Satisfiable equivalente </a:t>
+            </a:r>
+            <a:r>
               <a:rPr lang="nl-BE" dirty="0"/>
-              <a:t>Wijzig </a:t>
+              <a:t>wijzigingen</a:t>
             </a:r>
           </a:p>
           <a:p>

--- a/Milestones/M10 Thesis defence/M10.pptx
+++ b/Milestones/M10 Thesis defence/M10.pptx
@@ -7033,7 +7033,7 @@
           <a:p>
             <a:fld id="{8F591CCF-F6FD-734B-854A-5BC033593B1E}" type="datetimeFigureOut">
               <a:rPr lang="nl-NL" smtClean="0"/>
-              <a:t>6-1-2023</a:t>
+              <a:t>10-1-2023</a:t>
             </a:fld>
             <a:endParaRPr lang="nl-NL"/>
           </a:p>
@@ -7198,7 +7198,7 @@
           <a:p>
             <a:fld id="{23C66214-DB21-4647-B5DA-0D17CA592867}" type="datetimeFigureOut">
               <a:rPr lang="nl-NL" smtClean="0"/>
-              <a:t>6-1-2023</a:t>
+              <a:t>10-1-2023</a:t>
             </a:fld>
             <a:endParaRPr lang="nl-NL"/>
           </a:p>
@@ -12393,7 +12393,7 @@
           <a:p>
             <a:fld id="{A6AC6004-332E-443B-AEE9-F68B98D86626}" type="datetime1">
               <a:rPr lang="nl-BE" smtClean="0"/>
-              <a:t>6/01/2023</a:t>
+              <a:t>10/01/2023</a:t>
             </a:fld>
             <a:endParaRPr lang="nl-NL"/>
           </a:p>
@@ -12676,7 +12676,7 @@
           <a:p>
             <a:fld id="{18BB5DFC-17D3-47A0-B171-B4E4D1575E7B}" type="datetime1">
               <a:rPr lang="nl-BE" smtClean="0"/>
-              <a:t>6/01/2023</a:t>
+              <a:t>10/01/2023</a:t>
             </a:fld>
             <a:endParaRPr lang="nl-NL"/>
           </a:p>
@@ -13006,7 +13006,7 @@
           <a:p>
             <a:fld id="{DFE966B0-6D13-414C-BF72-6FF6C60AEC98}" type="datetime1">
               <a:rPr lang="nl-BE" smtClean="0"/>
-              <a:t>6/01/2023</a:t>
+              <a:t>10/01/2023</a:t>
             </a:fld>
             <a:endParaRPr lang="nl-NL"/>
           </a:p>
@@ -13326,7 +13326,7 @@
           <a:p>
             <a:fld id="{C812C44A-F540-4B98-810B-5F6EB90D9C13}" type="datetime1">
               <a:rPr lang="nl-BE" smtClean="0"/>
-              <a:t>6/01/2023</a:t>
+              <a:t>10/01/2023</a:t>
             </a:fld>
             <a:endParaRPr lang="nl-NL" dirty="0"/>
           </a:p>
@@ -13647,7 +13647,7 @@
           <a:p>
             <a:fld id="{8363B599-027A-42E4-AF08-DCDA683C2C05}" type="datetime1">
               <a:rPr lang="nl-BE" smtClean="0"/>
-              <a:t>6/01/2023</a:t>
+              <a:t>10/01/2023</a:t>
             </a:fld>
             <a:endParaRPr lang="nl-NL" dirty="0"/>
           </a:p>
@@ -13789,7 +13789,7 @@
           <a:p>
             <a:fld id="{896510B4-3146-4BB8-B92E-62730CD81C72}" type="datetime1">
               <a:rPr lang="nl-BE" smtClean="0"/>
-              <a:t>6/01/2023</a:t>
+              <a:t>10/01/2023</a:t>
             </a:fld>
             <a:endParaRPr lang="nl-NL"/>
           </a:p>
@@ -14273,7 +14273,7 @@
           <a:p>
             <a:fld id="{9D02B56F-A388-429F-978E-7B79C73B0741}" type="datetime1">
               <a:rPr lang="nl-BE" smtClean="0"/>
-              <a:t>6/01/2023</a:t>
+              <a:t>10/01/2023</a:t>
             </a:fld>
             <a:endParaRPr lang="nl-NL" dirty="0"/>
           </a:p>
@@ -14394,7 +14394,7 @@
           <a:p>
             <a:fld id="{CFC1976B-B1C6-4CE3-88E7-0F7B3C0EB754}" type="datetime1">
               <a:rPr lang="nl-BE" smtClean="0"/>
-              <a:t>6/01/2023</a:t>
+              <a:t>10/01/2023</a:t>
             </a:fld>
             <a:endParaRPr lang="nl-NL"/>
           </a:p>
@@ -14515,7 +14515,7 @@
           <a:p>
             <a:fld id="{9D9EDC0B-32E5-488B-8BC1-103B52D9F530}" type="datetime1">
               <a:rPr lang="nl-BE" smtClean="0"/>
-              <a:t>6/01/2023</a:t>
+              <a:t>10/01/2023</a:t>
             </a:fld>
             <a:endParaRPr lang="nl-NL"/>
           </a:p>
@@ -14697,7 +14697,7 @@
           <a:p>
             <a:fld id="{47FF4611-E6C1-4123-99C9-582B0DC5EFCF}" type="datetime1">
               <a:rPr lang="nl-BE" smtClean="0"/>
-              <a:t>6/01/2023</a:t>
+              <a:t>10/01/2023</a:t>
             </a:fld>
             <a:endParaRPr lang="nl-NL" dirty="0"/>
           </a:p>
@@ -14981,7 +14981,7 @@
           <a:p>
             <a:fld id="{7E5B4B50-A2A3-4C24-AE79-A292DD23C44A}" type="datetime1">
               <a:rPr lang="nl-BE" smtClean="0"/>
-              <a:t>6/01/2023</a:t>
+              <a:t>10/01/2023</a:t>
             </a:fld>
             <a:endParaRPr lang="nl-NL" dirty="0"/>
           </a:p>
@@ -15622,7 +15622,7 @@
           <a:p>
             <a:fld id="{560602C3-E89F-44D5-8AA8-1213C1FA739E}" type="datetime1">
               <a:rPr lang="nl-BE" smtClean="0"/>
-              <a:t>6/01/2023</a:t>
+              <a:t>10/01/2023</a:t>
             </a:fld>
             <a:endParaRPr lang="nl-NL" dirty="0"/>
           </a:p>
@@ -18778,7 +18778,7 @@
           <p:nvPr>
             <p:extLst>
               <p:ext uri="{D42A27DB-BD31-4B8C-83A1-F6EECF244321}">
-                <p14:modId xmlns:p14="http://schemas.microsoft.com/office/powerpoint/2010/main" val="2672195705"/>
+                <p14:modId xmlns:p14="http://schemas.microsoft.com/office/powerpoint/2010/main" val="3760432144"/>
               </p:ext>
             </p:extLst>
           </p:nvPr>
@@ -19090,16 +19090,16 @@
                     <a:p>
                       <a:pPr algn="ctr" fontAlgn="b"/>
                       <a:r>
-                        <a:rPr lang="en-US" sz="1400" b="1" u="none" strike="noStrike" dirty="0" err="1">
+                        <a:rPr lang="en-US" sz="1400" b="1" u="none" strike="noStrike">
                           <a:effectLst/>
                         </a:rPr>
-                        <a:t>Pysat</a:t>
+                        <a:t>PySAT </a:t>
                       </a:r>
                       <a:r>
                         <a:rPr lang="en-US" sz="1400" b="1" u="none" strike="noStrike" dirty="0">
                           <a:effectLst/>
                         </a:rPr>
-                        <a:t> subsolvers</a:t>
+                        <a:t>subsolvers</a:t>
                       </a:r>
                       <a:endParaRPr lang="en-US" sz="1400" b="1" i="0" u="none" strike="noStrike" dirty="0">
                         <a:solidFill>
